--- a/스마트폰 게임 프로그래밍 최종 발표.pptx
+++ b/스마트폰 게임 프로그래밍 최종 발표.pptx
@@ -1496,7 +1496,7 @@
           <a:p>
             <a:pPr algn="ctr"/>
             <a:r>
-              <a:rPr lang="ko-KR" altLang="en-US" sz="2800" dirty="0">
+              <a:rPr lang="ko-KR" altLang="en-US" sz="2800">
                 <a:solidFill>
                   <a:schemeClr val="bg1"/>
                 </a:solidFill>
@@ -1504,7 +1504,7 @@
                 <a:ea typeface="Raleway" pitchFamily="2" charset="0"/>
                 <a:cs typeface="Lato" panose="020F0502020204030203" pitchFamily="34" charset="0"/>
               </a:rPr>
-              <a:t>중간발표</a:t>
+              <a:t>최종발표</a:t>
             </a:r>
             <a:endParaRPr lang="en-US" sz="2800" dirty="0">
               <a:solidFill>
